--- a/Presentation - 2016 and 2020 Summer Olympic Data.pptx
+++ b/Presentation - 2016 and 2020 Summer Olympic Data.pptx
@@ -112,6 +112,11 @@
       </a:defRPr>
     </a:lvl9pPr>
   </p:defaultTextStyle>
+  <p:extLst>
+    <p:ext uri="{EFAFB233-063F-42B5-8137-9DF3F51BA10A}">
+      <p15:sldGuideLst xmlns:p15="http://schemas.microsoft.com/office/powerpoint/2012/main"/>
+    </p:ext>
+  </p:extLst>
 </p:presentation>
 </file>
 
@@ -156,6 +161,45 @@
       </pc:sldChg>
     </pc:docChg>
   </pc:docChgLst>
+  <pc:docChgLst>
+    <pc:chgData name="Blake Davis" userId="6dd2dfd4f5d5b097" providerId="LiveId" clId="{3A2F65E0-9226-4586-AE8B-5B7258F19576}"/>
+    <pc:docChg chg="modSld">
+      <pc:chgData name="Blake Davis" userId="6dd2dfd4f5d5b097" providerId="LiveId" clId="{3A2F65E0-9226-4586-AE8B-5B7258F19576}" dt="2022-05-07T23:15:55.698" v="39" actId="20577"/>
+      <pc:docMkLst>
+        <pc:docMk/>
+      </pc:docMkLst>
+      <pc:sldChg chg="modSp mod">
+        <pc:chgData name="Blake Davis" userId="6dd2dfd4f5d5b097" providerId="LiveId" clId="{3A2F65E0-9226-4586-AE8B-5B7258F19576}" dt="2022-05-07T23:15:22.231" v="18" actId="20577"/>
+        <pc:sldMkLst>
+          <pc:docMk/>
+          <pc:sldMk cId="2071997621" sldId="261"/>
+        </pc:sldMkLst>
+        <pc:spChg chg="mod">
+          <ac:chgData name="Blake Davis" userId="6dd2dfd4f5d5b097" providerId="LiveId" clId="{3A2F65E0-9226-4586-AE8B-5B7258F19576}" dt="2022-05-07T23:15:22.231" v="18" actId="20577"/>
+          <ac:spMkLst>
+            <pc:docMk/>
+            <pc:sldMk cId="2071997621" sldId="261"/>
+            <ac:spMk id="2" creationId="{59598278-CA66-EF46-084C-6C9DCCD545FB}"/>
+          </ac:spMkLst>
+        </pc:spChg>
+      </pc:sldChg>
+      <pc:sldChg chg="modSp mod">
+        <pc:chgData name="Blake Davis" userId="6dd2dfd4f5d5b097" providerId="LiveId" clId="{3A2F65E0-9226-4586-AE8B-5B7258F19576}" dt="2022-05-07T23:15:55.698" v="39" actId="20577"/>
+        <pc:sldMkLst>
+          <pc:docMk/>
+          <pc:sldMk cId="3940311051" sldId="264"/>
+        </pc:sldMkLst>
+        <pc:spChg chg="mod">
+          <ac:chgData name="Blake Davis" userId="6dd2dfd4f5d5b097" providerId="LiveId" clId="{3A2F65E0-9226-4586-AE8B-5B7258F19576}" dt="2022-05-07T23:15:55.698" v="39" actId="20577"/>
+          <ac:spMkLst>
+            <pc:docMk/>
+            <pc:sldMk cId="3940311051" sldId="264"/>
+            <ac:spMk id="3" creationId="{A50EF471-9D23-A0AB-3C75-8171B765F5DC}"/>
+          </ac:spMkLst>
+        </pc:spChg>
+      </pc:sldChg>
+    </pc:docChg>
+  </pc:docChgLst>
 </pc:chgInfo>
 </file>
 
@@ -403,7 +447,7 @@
           <a:p>
             <a:fld id="{9184DA70-C731-4C70-880D-CCD4705E623C}" type="datetime1">
               <a:rPr lang="en-US" smtClean="0"/>
-              <a:t>5/6/2022</a:t>
+              <a:t>5/7/2022</a:t>
             </a:fld>
             <a:endParaRPr lang="en-US" dirty="0"/>
           </a:p>
@@ -591,7 +635,7 @@
           <a:p>
             <a:fld id="{B612A279-0833-481D-8C56-F67FD0AC6C50}" type="datetime1">
               <a:rPr lang="en-US" smtClean="0"/>
-              <a:t>5/6/2022</a:t>
+              <a:t>5/7/2022</a:t>
             </a:fld>
             <a:endParaRPr lang="en-US" dirty="0"/>
           </a:p>
@@ -833,7 +877,7 @@
           <a:p>
             <a:fld id="{6587DA83-5663-4C9C-B9AA-0B40A3DAFF81}" type="datetime1">
               <a:rPr lang="en-US" smtClean="0"/>
-              <a:t>5/6/2022</a:t>
+              <a:t>5/7/2022</a:t>
             </a:fld>
             <a:endParaRPr lang="en-US" dirty="0"/>
           </a:p>
@@ -1021,7 +1065,7 @@
           <a:p>
             <a:fld id="{4BE1D723-8F53-4F53-90B0-1982A396982E}" type="datetime1">
               <a:rPr lang="en-US" smtClean="0"/>
-              <a:t>5/6/2022</a:t>
+              <a:t>5/7/2022</a:t>
             </a:fld>
             <a:endParaRPr lang="en-US" dirty="0"/>
           </a:p>
@@ -1394,7 +1438,7 @@
           <a:p>
             <a:fld id="{97669AF7-7BEB-44E4-9852-375E34362B5B}" type="datetime1">
               <a:rPr lang="en-US" smtClean="0"/>
-              <a:t>5/6/2022</a:t>
+              <a:t>5/7/2022</a:t>
             </a:fld>
             <a:endParaRPr lang="en-US" dirty="0"/>
           </a:p>
@@ -1649,7 +1693,7 @@
           <a:p>
             <a:fld id="{BAAAC38D-0552-4C82-B593-E6124DFADBE2}" type="datetime1">
               <a:rPr lang="en-US" smtClean="0"/>
-              <a:t>5/6/2022</a:t>
+              <a:t>5/7/2022</a:t>
             </a:fld>
             <a:endParaRPr lang="en-US" dirty="0"/>
           </a:p>
@@ -2046,7 +2090,7 @@
           <a:p>
             <a:fld id="{D9DF0F1C-5577-4ACB-BB62-DF8F3C494C7E}" type="datetime1">
               <a:rPr lang="en-US" smtClean="0"/>
-              <a:t>5/6/2022</a:t>
+              <a:t>5/7/2022</a:t>
             </a:fld>
             <a:endParaRPr lang="en-US" dirty="0"/>
           </a:p>
@@ -2182,7 +2226,7 @@
           <a:p>
             <a:fld id="{1775B394-D9F9-4F0C-B15D-605F45CB9E9F}" type="datetime1">
               <a:rPr lang="en-US" smtClean="0"/>
-              <a:t>5/6/2022</a:t>
+              <a:t>5/7/2022</a:t>
             </a:fld>
             <a:endParaRPr lang="en-US" dirty="0"/>
           </a:p>
@@ -2339,7 +2383,7 @@
           <a:p>
             <a:fld id="{39667345-2558-425A-8533-9BFDBCE15005}" type="datetime1">
               <a:rPr lang="en-US" smtClean="0"/>
-              <a:t>5/6/2022</a:t>
+              <a:t>5/7/2022</a:t>
             </a:fld>
             <a:endParaRPr lang="en-US" dirty="0"/>
           </a:p>
@@ -2668,7 +2712,7 @@
           <a:p>
             <a:fld id="{92BEA474-078D-4E9B-9B14-09A87B19DC46}" type="datetime1">
               <a:rPr lang="en-US" smtClean="0"/>
-              <a:t>5/6/2022</a:t>
+              <a:t>5/7/2022</a:t>
             </a:fld>
             <a:endParaRPr lang="en-US" dirty="0"/>
           </a:p>
@@ -3018,7 +3062,7 @@
           <a:p>
             <a:fld id="{4907D986-8816-4272-A432-0437A28A9828}" type="datetime1">
               <a:rPr lang="en-US" smtClean="0"/>
-              <a:t>5/6/2022</a:t>
+              <a:t>5/7/2022</a:t>
             </a:fld>
             <a:endParaRPr lang="en-US" dirty="0"/>
           </a:p>
@@ -3279,7 +3323,7 @@
           <a:p>
             <a:fld id="{62D6E202-B606-4609-B914-27C9371A1F6D}" type="datetime1">
               <a:rPr lang="en-US" smtClean="0"/>
-              <a:t>5/6/2022</a:t>
+              <a:t>5/7/2022</a:t>
             </a:fld>
             <a:endParaRPr lang="en-US" dirty="0"/>
           </a:p>
@@ -4353,31 +4397,7 @@
           <a:p>
             <a:r>
               <a:rPr lang="en-US" dirty="0"/>
-              <a:t>   - Which events have a mean age </a:t>
-            </a:r>
-            <a:r>
-              <a:rPr lang="en-US" dirty="0" err="1"/>
-              <a:t>greather</a:t>
-            </a:r>
-            <a:r>
-              <a:rPr lang="en-US" dirty="0"/>
-              <a:t> than 30? Which events have a mean age </a:t>
-            </a:r>
-            <a:r>
-              <a:rPr lang="en-US" dirty="0" err="1"/>
-              <a:t>greather</a:t>
-            </a:r>
-            <a:r>
-              <a:rPr lang="en-US" dirty="0"/>
-              <a:t> than 28?&lt;</a:t>
-            </a:r>
-            <a:r>
-              <a:rPr lang="en-US" dirty="0" err="1"/>
-              <a:t>br</a:t>
-            </a:r>
-            <a:r>
-              <a:rPr lang="en-US" dirty="0"/>
-              <a:t>&gt;</a:t>
+              <a:t>   - Which events have a mean age greater than 30? Which events have a mean age greater than 28?</a:t>
             </a:r>
           </a:p>
           <a:p>
@@ -4389,72 +4409,37 @@
           <a:p>
             <a:r>
               <a:rPr lang="en-US" dirty="0"/>
-              <a:t>   - What country are they from? &lt;</a:t>
-            </a:r>
-            <a:r>
-              <a:rPr lang="en-US" dirty="0" err="1"/>
-              <a:t>br</a:t>
-            </a:r>
+              <a:t>   - What country are they from? </a:t>
+            </a:r>
+          </a:p>
+          <a:p>
             <a:r>
               <a:rPr lang="en-US" dirty="0"/>
-              <a:t>&gt;</a:t>
+              <a:t>   - What sport do they compete in? </a:t>
             </a:r>
           </a:p>
           <a:p>
             <a:r>
               <a:rPr lang="en-US" dirty="0"/>
-              <a:t>   - What sport do they compete in? &lt;</a:t>
-            </a:r>
-            <a:r>
-              <a:rPr lang="en-US" dirty="0" err="1"/>
-              <a:t>br</a:t>
-            </a:r>
+              <a:t>   - What does the age distribution of their sport in 2016 and 2020 look like, if available? </a:t>
+            </a:r>
+          </a:p>
+          <a:p>
             <a:r>
               <a:rPr lang="en-US" dirty="0"/>
-              <a:t>&gt;</a:t>
+              <a:t>   - Do any of them compete in the events that tend to have younger or older competitors, respectively? </a:t>
             </a:r>
           </a:p>
           <a:p>
             <a:r>
               <a:rPr lang="en-US" dirty="0"/>
-              <a:t>   - What does the age distribution of their sport in 2016 and 2020 look like, if available? &lt;</a:t>
-            </a:r>
-            <a:r>
-              <a:rPr lang="en-US" dirty="0" err="1"/>
-              <a:t>br</a:t>
-            </a:r>
-            <a:r>
-              <a:rPr lang="en-US" dirty="0"/>
-              <a:t>&gt;</a:t>
-            </a:r>
-          </a:p>
-          <a:p>
-            <a:r>
-              <a:rPr lang="en-US" dirty="0"/>
-              <a:t>   - Do any of them compete in the events that tend to have younger or older competitors, respectively? &lt;</a:t>
-            </a:r>
-            <a:r>
-              <a:rPr lang="en-US" dirty="0" err="1"/>
-              <a:t>br</a:t>
-            </a:r>
-            <a:r>
-              <a:rPr lang="en-US" dirty="0"/>
-              <a:t>&gt;</a:t>
-            </a:r>
-          </a:p>
-          <a:p>
-            <a:r>
-              <a:rPr lang="en-US" dirty="0"/>
-              <a:t>3. Which Olympic athlete has the most medals in 2016? &lt;</a:t>
-            </a:r>
-            <a:r>
-              <a:rPr lang="en-US" dirty="0" err="1"/>
-              <a:t>br</a:t>
-            </a:r>
-            <a:r>
-              <a:rPr lang="en-US" dirty="0"/>
-              <a:t>&gt;</a:t>
-            </a:r>
+              <a:t>3. Which Olympic athlete has the most medals in 2016</a:t>
+            </a:r>
+            <a:r>
+              <a:rPr lang="en-US"/>
+              <a:t>? </a:t>
+            </a:r>
+            <a:endParaRPr lang="en-US" dirty="0"/>
           </a:p>
           <a:p>
             <a:r>
@@ -4837,7 +4822,7 @@
           <a:p>
             <a:r>
               <a:rPr lang="en-US" dirty="0"/>
-              <a:t>Aquatic Athletes and Equestrians</a:t>
+              <a:t>Aquatic Athletes and Skateboarders</a:t>
             </a:r>
           </a:p>
         </p:txBody>
